--- a/demograficka_analyza_slovensko.pptx
+++ b/demograficka_analyza_slovensko.pptx
@@ -4223,7 +4223,7 @@
             </a:r>
             <a:r>
               <a:rPr lang="cs-CZ"/>
-              <a:t>projekt naleznete zde: </a:t>
+              <a:t>projekt naleznete zde: https://github.com/VelkaSunka/Slovakian_woman_propability</a:t>
             </a:r>
             <a:endParaRPr dirty="0"/>
           </a:p>

--- a/demograficka_analyza_slovensko.pptx
+++ b/demograficka_analyza_slovensko.pptx
@@ -5,7 +5,7 @@
     <p:sldMasterId id="2147483648" r:id="rId1"/>
   </p:sldMasterIdLst>
   <p:notesMasterIdLst>
-    <p:notesMasterId r:id="rId13"/>
+    <p:notesMasterId r:id="rId17"/>
   </p:notesMasterIdLst>
   <p:sldIdLst>
     <p:sldId id="256" r:id="rId2"/>
@@ -17,8 +17,12 @@
     <p:sldId id="267" r:id="rId8"/>
     <p:sldId id="268" r:id="rId9"/>
     <p:sldId id="259" r:id="rId10"/>
-    <p:sldId id="263" r:id="rId11"/>
-    <p:sldId id="262" r:id="rId12"/>
+    <p:sldId id="269" r:id="rId11"/>
+    <p:sldId id="270" r:id="rId12"/>
+    <p:sldId id="271" r:id="rId13"/>
+    <p:sldId id="272" r:id="rId14"/>
+    <p:sldId id="263" r:id="rId15"/>
+    <p:sldId id="262" r:id="rId16"/>
   </p:sldIdLst>
   <p:sldSz cx="9144000" cy="6858000" type="screen4x3"/>
   <p:notesSz cx="6858000" cy="9144000"/>
@@ -4106,6 +4110,359 @@
       </p:grpSpPr>
       <p:sp>
         <p:nvSpPr>
+          <p:cNvPr id="2" name="Nadpis 1">
+            <a:extLst>
+              <a:ext uri="{FF2B5EF4-FFF2-40B4-BE49-F238E27FC236}">
+                <a16:creationId xmlns:a16="http://schemas.microsoft.com/office/drawing/2014/main" id="{20A52895-D35D-E1FA-7459-0248E1950746}"/>
+              </a:ext>
+            </a:extLst>
+          </p:cNvPr>
+          <p:cNvSpPr>
+            <a:spLocks noGrp="1"/>
+          </p:cNvSpPr>
+          <p:nvPr>
+            <p:ph type="title"/>
+          </p:nvPr>
+        </p:nvSpPr>
+        <p:spPr/>
+        <p:txBody>
+          <a:bodyPr/>
+          <a:lstStyle/>
+          <a:p>
+            <a:r>
+              <a:rPr lang="da-DK" dirty="0"/>
+              <a:t>Slovenské ženy ve věku 20–30 let</a:t>
+            </a:r>
+            <a:endParaRPr lang="cs-CZ" dirty="0"/>
+          </a:p>
+        </p:txBody>
+      </p:sp>
+      <p:pic>
+        <p:nvPicPr>
+          <p:cNvPr id="5" name="Zástupný obsah 4" descr="Obsah obrázku text, snímek obrazovky, řada/pruh, Vykreslený graf&#10;&#10;Obsah vygenerovaný umělou inteligencí může být nesprávný.">
+            <a:extLst>
+              <a:ext uri="{FF2B5EF4-FFF2-40B4-BE49-F238E27FC236}">
+                <a16:creationId xmlns:a16="http://schemas.microsoft.com/office/drawing/2014/main" id="{72EB5DEE-9816-127E-EBBD-C3D33FC55173}"/>
+              </a:ext>
+            </a:extLst>
+          </p:cNvPr>
+          <p:cNvPicPr>
+            <a:picLocks noGrp="1" noChangeAspect="1"/>
+          </p:cNvPicPr>
+          <p:nvPr>
+            <p:ph idx="1"/>
+          </p:nvPr>
+        </p:nvPicPr>
+        <p:blipFill>
+          <a:blip r:embed="rId2"/>
+          <a:stretch>
+            <a:fillRect/>
+          </a:stretch>
+        </p:blipFill>
+        <p:spPr>
+          <a:xfrm>
+            <a:off x="800364" y="1600200"/>
+            <a:ext cx="7543271" cy="4525963"/>
+          </a:xfrm>
+        </p:spPr>
+      </p:pic>
+    </p:spTree>
+    <p:extLst>
+      <p:ext uri="{BB962C8B-B14F-4D97-AF65-F5344CB8AC3E}">
+        <p14:creationId xmlns:p14="http://schemas.microsoft.com/office/powerpoint/2010/main" val="3316999383"/>
+      </p:ext>
+    </p:extLst>
+  </p:cSld>
+  <p:clrMapOvr>
+    <a:masterClrMapping/>
+  </p:clrMapOvr>
+</p:sld>
+</file>
+
+<file path=ppt/slides/slide11.xml><?xml version="1.0" encoding="utf-8"?>
+<p:sld xmlns:a="http://schemas.openxmlformats.org/drawingml/2006/main" xmlns:r="http://schemas.openxmlformats.org/officeDocument/2006/relationships" xmlns:p="http://schemas.openxmlformats.org/presentationml/2006/main">
+  <p:cSld>
+    <p:spTree>
+      <p:nvGrpSpPr>
+        <p:cNvPr id="1" name=""/>
+        <p:cNvGrpSpPr/>
+        <p:nvPr/>
+      </p:nvGrpSpPr>
+      <p:grpSpPr>
+        <a:xfrm>
+          <a:off x="0" y="0"/>
+          <a:ext cx="0" cy="0"/>
+          <a:chOff x="0" y="0"/>
+          <a:chExt cx="0" cy="0"/>
+        </a:xfrm>
+      </p:grpSpPr>
+      <p:sp>
+        <p:nvSpPr>
+          <p:cNvPr id="2" name="Nadpis 1">
+            <a:extLst>
+              <a:ext uri="{FF2B5EF4-FFF2-40B4-BE49-F238E27FC236}">
+                <a16:creationId xmlns:a16="http://schemas.microsoft.com/office/drawing/2014/main" id="{7D6EDCB7-39BF-4B78-BDE9-37C9845F6318}"/>
+              </a:ext>
+            </a:extLst>
+          </p:cNvPr>
+          <p:cNvSpPr>
+            <a:spLocks noGrp="1"/>
+          </p:cNvSpPr>
+          <p:nvPr>
+            <p:ph type="title"/>
+          </p:nvPr>
+        </p:nvSpPr>
+        <p:spPr/>
+        <p:txBody>
+          <a:bodyPr/>
+          <a:lstStyle/>
+          <a:p>
+            <a:r>
+              <a:rPr lang="cs-CZ" dirty="0"/>
+              <a:t>Otázka?</a:t>
+            </a:r>
+          </a:p>
+        </p:txBody>
+      </p:sp>
+      <p:sp>
+        <p:nvSpPr>
+          <p:cNvPr id="3" name="Zástupný obsah 2">
+            <a:extLst>
+              <a:ext uri="{FF2B5EF4-FFF2-40B4-BE49-F238E27FC236}">
+                <a16:creationId xmlns:a16="http://schemas.microsoft.com/office/drawing/2014/main" id="{D9E598B9-6B2A-AD8D-4DA5-D576CAC30CB7}"/>
+              </a:ext>
+            </a:extLst>
+          </p:cNvPr>
+          <p:cNvSpPr>
+            <a:spLocks noGrp="1"/>
+          </p:cNvSpPr>
+          <p:nvPr>
+            <p:ph idx="1"/>
+          </p:nvPr>
+        </p:nvSpPr>
+        <p:spPr/>
+        <p:txBody>
+          <a:bodyPr/>
+          <a:lstStyle/>
+          <a:p>
+            <a:pPr algn="ctr"/>
+            <a:r>
+              <a:rPr lang="cs-CZ" dirty="0"/>
+              <a:t>Jaká je tedy možnost získat ženu s požadavky na vzdělání, věk a atraktivitu pro Ostravského 25 letého studenta Umělé inteligence na Ostravské univerzitě v Ostravě na přírodovědecké fakultě?</a:t>
+            </a:r>
+          </a:p>
+        </p:txBody>
+      </p:sp>
+    </p:spTree>
+    <p:extLst>
+      <p:ext uri="{BB962C8B-B14F-4D97-AF65-F5344CB8AC3E}">
+        <p14:creationId xmlns:p14="http://schemas.microsoft.com/office/powerpoint/2010/main" val="1555393067"/>
+      </p:ext>
+    </p:extLst>
+  </p:cSld>
+  <p:clrMapOvr>
+    <a:masterClrMapping/>
+  </p:clrMapOvr>
+</p:sld>
+</file>
+
+<file path=ppt/slides/slide12.xml><?xml version="1.0" encoding="utf-8"?>
+<p:sld xmlns:a="http://schemas.openxmlformats.org/drawingml/2006/main" xmlns:r="http://schemas.openxmlformats.org/officeDocument/2006/relationships" xmlns:p="http://schemas.openxmlformats.org/presentationml/2006/main">
+  <p:cSld>
+    <p:spTree>
+      <p:nvGrpSpPr>
+        <p:cNvPr id="1" name=""/>
+        <p:cNvGrpSpPr/>
+        <p:nvPr/>
+      </p:nvGrpSpPr>
+      <p:grpSpPr>
+        <a:xfrm>
+          <a:off x="0" y="0"/>
+          <a:ext cx="0" cy="0"/>
+          <a:chOff x="0" y="0"/>
+          <a:chExt cx="0" cy="0"/>
+        </a:xfrm>
+      </p:grpSpPr>
+      <p:sp>
+        <p:nvSpPr>
+          <p:cNvPr id="2" name="Nadpis 1">
+            <a:extLst>
+              <a:ext uri="{FF2B5EF4-FFF2-40B4-BE49-F238E27FC236}">
+                <a16:creationId xmlns:a16="http://schemas.microsoft.com/office/drawing/2014/main" id="{C140F903-8860-53C2-A6BB-D03FE65BBF48}"/>
+              </a:ext>
+            </a:extLst>
+          </p:cNvPr>
+          <p:cNvSpPr>
+            <a:spLocks noGrp="1"/>
+          </p:cNvSpPr>
+          <p:nvPr>
+            <p:ph type="title"/>
+          </p:nvPr>
+        </p:nvSpPr>
+        <p:spPr/>
+        <p:txBody>
+          <a:bodyPr>
+            <a:normAutofit fontScale="90000"/>
+          </a:bodyPr>
+          <a:lstStyle/>
+          <a:p>
+            <a:r>
+              <a:rPr lang="cs-CZ" dirty="0"/>
+              <a:t>Odhad odpovědi na celou Českou a Slovenskou republiku</a:t>
+            </a:r>
+          </a:p>
+        </p:txBody>
+      </p:sp>
+      <p:pic>
+        <p:nvPicPr>
+          <p:cNvPr id="5" name="Zástupný obsah 4">
+            <a:extLst>
+              <a:ext uri="{FF2B5EF4-FFF2-40B4-BE49-F238E27FC236}">
+                <a16:creationId xmlns:a16="http://schemas.microsoft.com/office/drawing/2014/main" id="{513B995B-E73A-0563-C7EF-29BB6F2C8B0C}"/>
+              </a:ext>
+            </a:extLst>
+          </p:cNvPr>
+          <p:cNvPicPr>
+            <a:picLocks noGrp="1" noChangeAspect="1"/>
+          </p:cNvPicPr>
+          <p:nvPr>
+            <p:ph idx="1"/>
+          </p:nvPr>
+        </p:nvPicPr>
+        <p:blipFill>
+          <a:blip r:embed="rId2"/>
+          <a:stretch>
+            <a:fillRect/>
+          </a:stretch>
+        </p:blipFill>
+        <p:spPr>
+          <a:xfrm>
+            <a:off x="695116" y="1999285"/>
+            <a:ext cx="7753768" cy="4446715"/>
+          </a:xfrm>
+        </p:spPr>
+      </p:pic>
+    </p:spTree>
+    <p:extLst>
+      <p:ext uri="{BB962C8B-B14F-4D97-AF65-F5344CB8AC3E}">
+        <p14:creationId xmlns:p14="http://schemas.microsoft.com/office/powerpoint/2010/main" val="1093410357"/>
+      </p:ext>
+    </p:extLst>
+  </p:cSld>
+  <p:clrMapOvr>
+    <a:masterClrMapping/>
+  </p:clrMapOvr>
+</p:sld>
+</file>
+
+<file path=ppt/slides/slide13.xml><?xml version="1.0" encoding="utf-8"?>
+<p:sld xmlns:a="http://schemas.openxmlformats.org/drawingml/2006/main" xmlns:r="http://schemas.openxmlformats.org/officeDocument/2006/relationships" xmlns:p="http://schemas.openxmlformats.org/presentationml/2006/main">
+  <p:cSld>
+    <p:spTree>
+      <p:nvGrpSpPr>
+        <p:cNvPr id="1" name=""/>
+        <p:cNvGrpSpPr/>
+        <p:nvPr/>
+      </p:nvGrpSpPr>
+      <p:grpSpPr>
+        <a:xfrm>
+          <a:off x="0" y="0"/>
+          <a:ext cx="0" cy="0"/>
+          <a:chOff x="0" y="0"/>
+          <a:chExt cx="0" cy="0"/>
+        </a:xfrm>
+      </p:grpSpPr>
+      <p:sp>
+        <p:nvSpPr>
+          <p:cNvPr id="2" name="Nadpis 1">
+            <a:extLst>
+              <a:ext uri="{FF2B5EF4-FFF2-40B4-BE49-F238E27FC236}">
+                <a16:creationId xmlns:a16="http://schemas.microsoft.com/office/drawing/2014/main" id="{D8003CB1-B0FA-BEF1-453F-A89C524C6927}"/>
+              </a:ext>
+            </a:extLst>
+          </p:cNvPr>
+          <p:cNvSpPr>
+            <a:spLocks noGrp="1"/>
+          </p:cNvSpPr>
+          <p:nvPr>
+            <p:ph type="title"/>
+          </p:nvPr>
+        </p:nvSpPr>
+        <p:spPr/>
+        <p:txBody>
+          <a:bodyPr>
+            <a:normAutofit fontScale="90000"/>
+          </a:bodyPr>
+          <a:lstStyle/>
+          <a:p>
+            <a:r>
+              <a:rPr lang="cs-CZ" dirty="0"/>
+              <a:t>Pravděpodobnost náhodného setkání s takovou ženou</a:t>
+            </a:r>
+          </a:p>
+        </p:txBody>
+      </p:sp>
+      <p:pic>
+        <p:nvPicPr>
+          <p:cNvPr id="5" name="Zástupný obsah 4">
+            <a:extLst>
+              <a:ext uri="{FF2B5EF4-FFF2-40B4-BE49-F238E27FC236}">
+                <a16:creationId xmlns:a16="http://schemas.microsoft.com/office/drawing/2014/main" id="{9F02743C-A010-9A09-C8EC-4EC51E0ED0A5}"/>
+              </a:ext>
+            </a:extLst>
+          </p:cNvPr>
+          <p:cNvPicPr>
+            <a:picLocks noGrp="1" noChangeAspect="1"/>
+          </p:cNvPicPr>
+          <p:nvPr>
+            <p:ph idx="1"/>
+          </p:nvPr>
+        </p:nvPicPr>
+        <p:blipFill>
+          <a:blip r:embed="rId2"/>
+          <a:stretch>
+            <a:fillRect/>
+          </a:stretch>
+        </p:blipFill>
+        <p:spPr>
+          <a:xfrm>
+            <a:off x="229205" y="2650436"/>
+            <a:ext cx="8685589" cy="2183528"/>
+          </a:xfrm>
+        </p:spPr>
+      </p:pic>
+    </p:spTree>
+    <p:extLst>
+      <p:ext uri="{BB962C8B-B14F-4D97-AF65-F5344CB8AC3E}">
+        <p14:creationId xmlns:p14="http://schemas.microsoft.com/office/powerpoint/2010/main" val="1081577555"/>
+      </p:ext>
+    </p:extLst>
+  </p:cSld>
+  <p:clrMapOvr>
+    <a:masterClrMapping/>
+  </p:clrMapOvr>
+</p:sld>
+</file>
+
+<file path=ppt/slides/slide14.xml><?xml version="1.0" encoding="utf-8"?>
+<p:sld xmlns:a="http://schemas.openxmlformats.org/drawingml/2006/main" xmlns:r="http://schemas.openxmlformats.org/officeDocument/2006/relationships" xmlns:p="http://schemas.openxmlformats.org/presentationml/2006/main">
+  <p:cSld>
+    <p:spTree>
+      <p:nvGrpSpPr>
+        <p:cNvPr id="1" name=""/>
+        <p:cNvGrpSpPr/>
+        <p:nvPr/>
+      </p:nvGrpSpPr>
+      <p:grpSpPr>
+        <a:xfrm>
+          <a:off x="0" y="0"/>
+          <a:ext cx="0" cy="0"/>
+          <a:chOff x="0" y="0"/>
+          <a:chExt cx="0" cy="0"/>
+        </a:xfrm>
+      </p:grpSpPr>
+      <p:sp>
+        <p:nvSpPr>
           <p:cNvPr id="2" name="Title 1"/>
           <p:cNvSpPr>
             <a:spLocks noGrp="1"/>
@@ -4154,7 +4511,7 @@
 </p:sld>
 </file>
 
-<file path=ppt/slides/slide11.xml><?xml version="1.0" encoding="utf-8"?>
+<file path=ppt/slides/slide15.xml><?xml version="1.0" encoding="utf-8"?>
 <p:sld xmlns:a="http://schemas.openxmlformats.org/drawingml/2006/main" xmlns:r="http://schemas.openxmlformats.org/officeDocument/2006/relationships" xmlns:p="http://schemas.openxmlformats.org/presentationml/2006/main">
   <p:cSld>
     <p:spTree>

--- a/demograficka_analyza_slovensko.pptx
+++ b/demograficka_analyza_slovensko.pptx
@@ -3997,8 +3997,42 @@
           <a:lstStyle/>
           <a:p>
             <a:r>
-              <a:t>Demografická analýza Slovenska a Slovenek v ČR</a:t>
-            </a:r>
+              <a:rPr dirty="0" err="1"/>
+              <a:t>Demografická</a:t>
+            </a:r>
+            <a:r>
+              <a:rPr dirty="0"/>
+              <a:t> </a:t>
+            </a:r>
+            <a:r>
+              <a:rPr dirty="0" err="1"/>
+              <a:t>analýza</a:t>
+            </a:r>
+            <a:r>
+              <a:rPr dirty="0"/>
+              <a:t> </a:t>
+            </a:r>
+            <a:r>
+              <a:rPr dirty="0" err="1"/>
+              <a:t>Slovenska</a:t>
+            </a:r>
+            <a:r>
+              <a:rPr dirty="0"/>
+              <a:t> a </a:t>
+            </a:r>
+            <a:r>
+              <a:rPr dirty="0" err="1"/>
+              <a:t>Slovenek</a:t>
+            </a:r>
+            <a:r>
+              <a:rPr dirty="0"/>
+              <a:t> v ČR</a:t>
+            </a:r>
+            <a:r>
+              <a:rPr lang="cs-CZ" dirty="0"/>
+              <a:t> a SR</a:t>
+            </a:r>
+            <a:endParaRPr dirty="0"/>
           </a:p>
         </p:txBody>
       </p:sp>
@@ -4048,15 +4082,7 @@
             </a:r>
             <a:r>
               <a:rPr lang="cs-CZ" dirty="0"/>
-              <a:t>Martin Šašinka (Zoufalý student, hledající </a:t>
-            </a:r>
-            <a:r>
-              <a:rPr lang="cs-CZ" dirty="0" err="1"/>
-              <a:t>sloveskou</a:t>
-            </a:r>
-            <a:r>
-              <a:rPr lang="cs-CZ" dirty="0"/>
-              <a:t> dívku s gymplem, studující obor Umělá </a:t>
+              <a:t>Martin Šašinka (Zoufalý student (hledající slovenskou dívku s gymplem) studující obor Umělá </a:t>
             </a:r>
             <a:r>
               <a:rPr lang="cs-CZ" dirty="0" err="1"/>
@@ -4627,8 +4653,18 @@
           <a:lstStyle/>
           <a:p>
             <a:r>
-              <a:t>Cíl prezentace</a:t>
-            </a:r>
+              <a:rPr dirty="0" err="1"/>
+              <a:t>Cíl</a:t>
+            </a:r>
+            <a:r>
+              <a:rPr dirty="0"/>
+              <a:t> </a:t>
+            </a:r>
+            <a:r>
+              <a:rPr lang="cs-CZ" dirty="0"/>
+              <a:t>analýzy</a:t>
+            </a:r>
+            <a:endParaRPr dirty="0"/>
           </a:p>
         </p:txBody>
       </p:sp>
@@ -4765,20 +4801,12 @@
               <a:t> s </a:t>
             </a:r>
             <a:r>
-              <a:rPr dirty="0" err="1"/>
-              <a:t>gymnaziálním</a:t>
+              <a:rPr lang="cs-CZ" dirty="0"/>
+              <a:t>vystudovaným gymnáziem </a:t>
             </a:r>
             <a:r>
               <a:rPr dirty="0"/>
-              <a:t> </a:t>
-            </a:r>
-            <a:r>
-              <a:rPr dirty="0" err="1"/>
-              <a:t>vzděláním</a:t>
-            </a:r>
-            <a:r>
-              <a:rPr dirty="0"/>
-              <a:t> a </a:t>
+              <a:t>a </a:t>
             </a:r>
             <a:r>
               <a:rPr dirty="0" err="1"/>
@@ -5702,8 +5730,13 @@
           <a:p>
             <a:r>
               <a:rPr lang="cs-CZ" sz="2400" dirty="0"/>
-              <a:t>Podíl žen s gymnaziálním vzděláním</a:t>
-            </a:r>
+              <a:t>Podíl žen s </a:t>
+            </a:r>
+            <a:r>
+              <a:rPr lang="cs-CZ" sz="2400"/>
+              <a:t>vystudovaným gymnáziem</a:t>
+            </a:r>
+            <a:endParaRPr lang="cs-CZ" sz="2400" dirty="0"/>
           </a:p>
           <a:p>
             <a:r>
